--- a/pres-source/10-Cassandra.pptx
+++ b/pres-source/10-Cassandra.pptx
@@ -5,7 +5,7 @@
     <p:sldMasterId id="2147483648" r:id="rId1"/>
   </p:sldMasterIdLst>
   <p:notesMasterIdLst>
-    <p:notesMasterId r:id="rId25"/>
+    <p:notesMasterId r:id="rId26"/>
   </p:notesMasterIdLst>
   <p:sldIdLst>
     <p:sldId id="256" r:id="rId2"/>
@@ -29,8 +29,9 @@
     <p:sldId id="291" r:id="rId20"/>
     <p:sldId id="292" r:id="rId21"/>
     <p:sldId id="301" r:id="rId22"/>
-    <p:sldId id="293" r:id="rId23"/>
-    <p:sldId id="294" r:id="rId24"/>
+    <p:sldId id="305" r:id="rId23"/>
+    <p:sldId id="306" r:id="rId24"/>
+    <p:sldId id="294" r:id="rId25"/>
   </p:sldIdLst>
   <p:sldSz cx="9144000" cy="6858000" type="screen4x3"/>
   <p:notesSz cx="6858000" cy="9144000"/>
@@ -2055,8 +2056,8 @@
     <dgm:cxn modelId="{3993E0AE-D03C-8143-A94A-AC4B577645FD}" srcId="{233D6E84-E1A1-2549-A0F2-C7B0562D4DC2}" destId="{4391B368-D339-3341-B7F4-F1EACBD8112C}" srcOrd="1" destOrd="0" parTransId="{525C8D7D-2181-9641-8E7B-48A66FD46CCF}" sibTransId="{017FCF6A-D315-C845-A14B-3785C8312B03}"/>
     <dgm:cxn modelId="{A7C1F6E2-D175-4040-82D0-CAA14DEF59DB}" type="presOf" srcId="{017FCF6A-D315-C845-A14B-3785C8312B03}" destId="{F85FA051-B376-0A44-916D-F63D0BAB707A}" srcOrd="0" destOrd="0" presId="urn:microsoft.com/office/officeart/2005/8/layout/cycle2"/>
     <dgm:cxn modelId="{FCCD9DFE-7194-D443-9A6F-6397F7387644}" type="presOf" srcId="{017FCF6A-D315-C845-A14B-3785C8312B03}" destId="{4FC8FB48-D300-D34A-A172-468FC10B59F3}" srcOrd="1" destOrd="0" presId="urn:microsoft.com/office/officeart/2005/8/layout/cycle2"/>
+    <dgm:cxn modelId="{0897C944-E724-714A-8056-CB71E482F351}" type="presOf" srcId="{F2B3E4B8-49CC-0543-96DA-0428CE967C4D}" destId="{661C81D8-F9BA-3E4A-A620-3FF8A37A3261}" srcOrd="0" destOrd="0" presId="urn:microsoft.com/office/officeart/2005/8/layout/cycle2"/>
     <dgm:cxn modelId="{AD4E4930-5AFD-1348-A385-BABB9FAF1A64}" srcId="{233D6E84-E1A1-2549-A0F2-C7B0562D4DC2}" destId="{1301BCBD-F7E9-D842-B366-AE8DF9D44307}" srcOrd="3" destOrd="0" parTransId="{9C3B4153-4EBC-014E-A94E-EC5416EA5F53}" sibTransId="{8645893A-1D18-A745-8C61-02B1BC8C6D73}"/>
-    <dgm:cxn modelId="{0897C944-E724-714A-8056-CB71E482F351}" type="presOf" srcId="{F2B3E4B8-49CC-0543-96DA-0428CE967C4D}" destId="{661C81D8-F9BA-3E4A-A620-3FF8A37A3261}" srcOrd="0" destOrd="0" presId="urn:microsoft.com/office/officeart/2005/8/layout/cycle2"/>
     <dgm:cxn modelId="{FACDF9A7-E07A-1545-8E49-A3435BAB878E}" type="presOf" srcId="{233D6E84-E1A1-2549-A0F2-C7B0562D4DC2}" destId="{F2E8152F-879E-2E4A-9EAB-447FC69EDA7C}" srcOrd="0" destOrd="0" presId="urn:microsoft.com/office/officeart/2005/8/layout/cycle2"/>
     <dgm:cxn modelId="{1BDC8217-467C-0640-BBE2-9613D2F895A7}" type="presOf" srcId="{F2B3E4B8-49CC-0543-96DA-0428CE967C4D}" destId="{8A12A7FE-929E-2F4B-B931-5CBC014E4963}" srcOrd="1" destOrd="0" presId="urn:microsoft.com/office/officeart/2005/8/layout/cycle2"/>
     <dgm:cxn modelId="{FBA589CE-3284-EB4E-A48C-8E0047464A21}" type="presParOf" srcId="{F2E8152F-879E-2E4A-9EAB-447FC69EDA7C}" destId="{8E4677FD-5724-4B4B-92D6-6A60064A4119}" srcOrd="0" destOrd="0" presId="urn:microsoft.com/office/officeart/2005/8/layout/cycle2"/>
@@ -6545,7 +6546,7 @@
             <a:fld id="{7307762F-A706-E543-A832-3C298AA3103F}" type="datetimeFigureOut">
               <a:rPr lang="en-US" smtClean="0"/>
               <a:pPr/>
-              <a:t>22/08/17</a:t>
+              <a:t>14/09/17</a:t>
             </a:fld>
             <a:endParaRPr lang="en-US" dirty="0"/>
           </a:p>
@@ -7112,7 +7113,7 @@
           <a:p>
             <a:fld id="{875CF0EB-321F-0749-B37A-89BBA859503C}" type="datetimeFigureOut">
               <a:rPr lang="en-US" smtClean="0"/>
-              <a:t>22/08/17</a:t>
+              <a:t>14/09/17</a:t>
             </a:fld>
             <a:endParaRPr lang="en-US"/>
           </a:p>
@@ -7316,7 +7317,7 @@
           <a:p>
             <a:fld id="{875CF0EB-321F-0749-B37A-89BBA859503C}" type="datetimeFigureOut">
               <a:rPr lang="en-US" smtClean="0"/>
-              <a:t>22/08/17</a:t>
+              <a:t>14/09/17</a:t>
             </a:fld>
             <a:endParaRPr lang="en-US"/>
           </a:p>
@@ -7510,7 +7511,7 @@
           <a:p>
             <a:fld id="{875CF0EB-321F-0749-B37A-89BBA859503C}" type="datetimeFigureOut">
               <a:rPr lang="en-US" smtClean="0"/>
-              <a:t>22/08/17</a:t>
+              <a:t>14/09/17</a:t>
             </a:fld>
             <a:endParaRPr lang="en-US"/>
           </a:p>
@@ -7780,7 +7781,7 @@
           <a:p>
             <a:fld id="{875CF0EB-321F-0749-B37A-89BBA859503C}" type="datetimeFigureOut">
               <a:rPr lang="en-US" smtClean="0"/>
-              <a:t>22/08/17</a:t>
+              <a:t>14/09/17</a:t>
             </a:fld>
             <a:endParaRPr lang="en-US"/>
           </a:p>
@@ -8092,7 +8093,7 @@
           <a:p>
             <a:fld id="{875CF0EB-321F-0749-B37A-89BBA859503C}" type="datetimeFigureOut">
               <a:rPr lang="en-US" smtClean="0"/>
-              <a:t>22/08/17</a:t>
+              <a:t>14/09/17</a:t>
             </a:fld>
             <a:endParaRPr lang="en-US"/>
           </a:p>
@@ -8538,7 +8539,7 @@
           <a:p>
             <a:fld id="{875CF0EB-321F-0749-B37A-89BBA859503C}" type="datetimeFigureOut">
               <a:rPr lang="en-US" smtClean="0"/>
-              <a:t>22/08/17</a:t>
+              <a:t>14/09/17</a:t>
             </a:fld>
             <a:endParaRPr lang="en-US"/>
           </a:p>
@@ -8680,7 +8681,7 @@
           <a:p>
             <a:fld id="{875CF0EB-321F-0749-B37A-89BBA859503C}" type="datetimeFigureOut">
               <a:rPr lang="en-US" smtClean="0"/>
-              <a:t>22/08/17</a:t>
+              <a:t>14/09/17</a:t>
             </a:fld>
             <a:endParaRPr lang="en-US"/>
           </a:p>
@@ -8799,7 +8800,7 @@
           <a:p>
             <a:fld id="{875CF0EB-321F-0749-B37A-89BBA859503C}" type="datetimeFigureOut">
               <a:rPr lang="en-US" smtClean="0"/>
-              <a:t>22/08/17</a:t>
+              <a:t>14/09/17</a:t>
             </a:fld>
             <a:endParaRPr lang="en-US"/>
           </a:p>
@@ -9100,7 +9101,7 @@
           <a:p>
             <a:fld id="{875CF0EB-321F-0749-B37A-89BBA859503C}" type="datetimeFigureOut">
               <a:rPr lang="en-US" smtClean="0"/>
-              <a:t>22/08/17</a:t>
+              <a:t>14/09/17</a:t>
             </a:fld>
             <a:endParaRPr lang="en-US"/>
           </a:p>
@@ -9377,7 +9378,7 @@
           <a:p>
             <a:fld id="{875CF0EB-321F-0749-B37A-89BBA859503C}" type="datetimeFigureOut">
               <a:rPr lang="en-US" smtClean="0"/>
-              <a:t>22/08/17</a:t>
+              <a:t>14/09/17</a:t>
             </a:fld>
             <a:endParaRPr lang="en-US"/>
           </a:p>
@@ -10485,6 +10486,13 @@
   <p:clrMapOvr>
     <a:masterClrMapping/>
   </p:clrMapOvr>
+  <p:timing>
+    <p:tnLst>
+      <p:par>
+        <p:cTn xmlns:p14="http://schemas.microsoft.com/office/powerpoint/2010/main" id="1" dur="indefinite" restart="never" nodeType="tmRoot"/>
+      </p:par>
+    </p:tnLst>
+  </p:timing>
 </p:sld>
 </file>
 
@@ -10714,6 +10722,13 @@
   <p:clrMapOvr>
     <a:masterClrMapping/>
   </p:clrMapOvr>
+  <p:timing>
+    <p:tnLst>
+      <p:par>
+        <p:cTn xmlns:p14="http://schemas.microsoft.com/office/powerpoint/2010/main" id="1" dur="indefinite" restart="never" nodeType="tmRoot"/>
+      </p:par>
+    </p:tnLst>
+  </p:timing>
 </p:sld>
 </file>
 
@@ -10873,6 +10888,13 @@
   <p:clrMapOvr>
     <a:masterClrMapping/>
   </p:clrMapOvr>
+  <p:timing>
+    <p:tnLst>
+      <p:par>
+        <p:cTn xmlns:p14="http://schemas.microsoft.com/office/powerpoint/2010/main" id="1" dur="indefinite" restart="never" nodeType="tmRoot"/>
+      </p:par>
+    </p:tnLst>
+  </p:timing>
 </p:sld>
 </file>
 
@@ -11015,6 +11037,13 @@
   <p:clrMapOvr>
     <a:masterClrMapping/>
   </p:clrMapOvr>
+  <p:timing>
+    <p:tnLst>
+      <p:par>
+        <p:cTn xmlns:p14="http://schemas.microsoft.com/office/powerpoint/2010/main" id="1" dur="indefinite" restart="never" nodeType="tmRoot"/>
+      </p:par>
+    </p:tnLst>
+  </p:timing>
 </p:sld>
 </file>
 
@@ -11118,6 +11147,13 @@
   <p:clrMapOvr>
     <a:masterClrMapping/>
   </p:clrMapOvr>
+  <p:timing>
+    <p:tnLst>
+      <p:par>
+        <p:cTn xmlns:p14="http://schemas.microsoft.com/office/powerpoint/2010/main" id="1" dur="indefinite" restart="never" nodeType="tmRoot"/>
+      </p:par>
+    </p:tnLst>
+  </p:timing>
 </p:sld>
 </file>
 
@@ -11314,6 +11350,13 @@
   <p:clrMapOvr>
     <a:masterClrMapping/>
   </p:clrMapOvr>
+  <p:timing>
+    <p:tnLst>
+      <p:par>
+        <p:cTn xmlns:p14="http://schemas.microsoft.com/office/powerpoint/2010/main" id="1" dur="indefinite" restart="never" nodeType="tmRoot"/>
+      </p:par>
+    </p:tnLst>
+  </p:timing>
 </p:sld>
 </file>
 
@@ -11608,6 +11651,13 @@
   <p:clrMapOvr>
     <a:masterClrMapping/>
   </p:clrMapOvr>
+  <p:timing>
+    <p:tnLst>
+      <p:par>
+        <p:cTn xmlns:p14="http://schemas.microsoft.com/office/powerpoint/2010/main" id="1" dur="indefinite" restart="never" nodeType="tmRoot"/>
+      </p:par>
+    </p:tnLst>
+  </p:timing>
 </p:sld>
 </file>
 
@@ -11887,6 +11937,13 @@
   <p:clrMapOvr>
     <a:masterClrMapping/>
   </p:clrMapOvr>
+  <p:timing>
+    <p:tnLst>
+      <p:par>
+        <p:cTn xmlns:p14="http://schemas.microsoft.com/office/powerpoint/2010/main" id="1" dur="indefinite" restart="never" nodeType="tmRoot"/>
+      </p:par>
+    </p:tnLst>
+  </p:timing>
 </p:sld>
 </file>
 
@@ -12026,6 +12083,13 @@
   <p:clrMapOvr>
     <a:masterClrMapping/>
   </p:clrMapOvr>
+  <p:timing>
+    <p:tnLst>
+      <p:par>
+        <p:cTn xmlns:p14="http://schemas.microsoft.com/office/powerpoint/2010/main" id="1" dur="indefinite" restart="never" nodeType="tmRoot"/>
+      </p:par>
+    </p:tnLst>
+  </p:timing>
 </p:sld>
 </file>
 
@@ -12175,6 +12239,13 @@
   <p:clrMapOvr>
     <a:masterClrMapping/>
   </p:clrMapOvr>
+  <p:timing>
+    <p:tnLst>
+      <p:par>
+        <p:cTn xmlns:p14="http://schemas.microsoft.com/office/powerpoint/2010/main" id="1" dur="indefinite" restart="never" nodeType="tmRoot"/>
+      </p:par>
+    </p:tnLst>
+  </p:timing>
 </p:sld>
 </file>
 
@@ -12333,6 +12404,13 @@
   <p:clrMapOvr>
     <a:masterClrMapping/>
   </p:clrMapOvr>
+  <p:timing>
+    <p:tnLst>
+      <p:par>
+        <p:cTn xmlns:p14="http://schemas.microsoft.com/office/powerpoint/2010/main" id="1" dur="indefinite" restart="never" nodeType="tmRoot"/>
+      </p:par>
+    </p:tnLst>
+  </p:timing>
 </p:sld>
 </file>
 
@@ -12574,8 +12652,8 @@
           <a:lstStyle/>
           <a:p>
             <a:r>
-              <a:rPr lang="en-US" dirty="0" smtClean="0"/>
-              <a:t>Setting up a cluster in EC2</a:t>
+              <a:rPr lang="en-US" dirty="0" err="1" smtClean="0"/>
+              <a:t>ScyllaDB</a:t>
             </a:r>
             <a:endParaRPr lang="en-US" dirty="0"/>
           </a:p>
@@ -12583,7 +12661,7 @@
       </p:sp>
       <p:sp>
         <p:nvSpPr>
-          <p:cNvPr id="3" name="Content Placeholder 2"/>
+          <p:cNvPr id="5" name="Content Placeholder 4"/>
           <p:cNvSpPr>
             <a:spLocks noGrp="1"/>
           </p:cNvSpPr>
@@ -12598,30 +12676,86 @@
           <a:p>
             <a:r>
               <a:rPr lang="en-US" dirty="0" smtClean="0"/>
-              <a:t>See </a:t>
-            </a:r>
-            <a:r>
-              <a:rPr lang="en-US" smtClean="0"/>
-              <a:t>the lab!</a:t>
-            </a:r>
-            <a:endParaRPr lang="en-US" dirty="0" smtClean="0"/>
-          </a:p>
-          <a:p>
-            <a:pPr marL="457200" lvl="1" indent="0">
-              <a:buNone/>
-            </a:pPr>
-            <a:endParaRPr lang="en-US" dirty="0" smtClean="0"/>
-          </a:p>
-          <a:p>
-            <a:pPr lvl="1"/>
-            <a:endParaRPr lang="en-US" dirty="0"/>
+              <a:t>Thanks </a:t>
+            </a:r>
+            <a:r>
+              <a:rPr lang="en-US" dirty="0" err="1" smtClean="0"/>
+              <a:t>Andrey</a:t>
+            </a:r>
+            <a:r>
+              <a:rPr lang="en-US" dirty="0" smtClean="0"/>
+              <a:t>!</a:t>
+            </a:r>
+          </a:p>
+          <a:p>
+            <a:r>
+              <a:rPr lang="en-US" dirty="0" smtClean="0"/>
+              <a:t>A C++ “clone” of </a:t>
+            </a:r>
+            <a:br>
+              <a:rPr lang="en-US" dirty="0" smtClean="0"/>
+            </a:br>
+            <a:r>
+              <a:rPr lang="en-US" dirty="0" smtClean="0"/>
+              <a:t>Cassandra</a:t>
+            </a:r>
+          </a:p>
+          <a:p>
+            <a:r>
+              <a:rPr lang="en-US" dirty="0" smtClean="0"/>
+              <a:t>Also Open Source</a:t>
+            </a:r>
+          </a:p>
+          <a:p>
+            <a:r>
+              <a:rPr lang="en-US" dirty="0" smtClean="0"/>
+              <a:t>Claims to be </a:t>
+            </a:r>
+            <a:br>
+              <a:rPr lang="en-US" dirty="0" smtClean="0"/>
+            </a:br>
+            <a:r>
+              <a:rPr lang="en-US" dirty="0" smtClean="0"/>
+              <a:t>significantly</a:t>
+            </a:r>
+            <a:br>
+              <a:rPr lang="en-US" dirty="0" smtClean="0"/>
+            </a:br>
+            <a:r>
+              <a:rPr lang="en-US" dirty="0" smtClean="0"/>
+              <a:t>faster</a:t>
+            </a:r>
           </a:p>
         </p:txBody>
       </p:sp>
+      <p:pic>
+        <p:nvPicPr>
+          <p:cNvPr id="4" name="Picture 3"/>
+          <p:cNvPicPr>
+            <a:picLocks noChangeAspect="1"/>
+          </p:cNvPicPr>
+          <p:nvPr/>
+        </p:nvPicPr>
+        <p:blipFill>
+          <a:blip r:embed="rId2"/>
+          <a:stretch>
+            <a:fillRect/>
+          </a:stretch>
+        </p:blipFill>
+        <p:spPr>
+          <a:xfrm>
+            <a:off x="4507063" y="1646601"/>
+            <a:ext cx="4394200" cy="5054600"/>
+          </a:xfrm>
+          <a:prstGeom prst="rect">
+            <a:avLst/>
+          </a:prstGeom>
+        </p:spPr>
+      </p:pic>
     </p:spTree>
     <p:extLst>
       <p:ext uri="{BB962C8B-B14F-4D97-AF65-F5344CB8AC3E}">
-        <p14:creationId xmlns:p14="http://schemas.microsoft.com/office/powerpoint/2010/main" val="1367644873"/>
+        <p14:creationId xmlns:p14="http://schemas.microsoft.com/office/powerpoint/2010/main" val="2462301249"/>
       </p:ext>
     </p:extLst>
   </p:cSld>
@@ -12632,6 +12766,91 @@
 </file>
 
 <file path=ppt/slides/slide23.xml><?xml version="1.0" encoding="utf-8"?>
+<p:sld xmlns:a="http://schemas.openxmlformats.org/drawingml/2006/main" xmlns:r="http://schemas.openxmlformats.org/officeDocument/2006/relationships" xmlns:p="http://schemas.openxmlformats.org/presentationml/2006/main">
+  <p:cSld>
+    <p:spTree>
+      <p:nvGrpSpPr>
+        <p:cNvPr id="1" name=""/>
+        <p:cNvGrpSpPr/>
+        <p:nvPr/>
+      </p:nvGrpSpPr>
+      <p:grpSpPr>
+        <a:xfrm>
+          <a:off x="0" y="0"/>
+          <a:ext cx="0" cy="0"/>
+          <a:chOff x="0" y="0"/>
+          <a:chExt cx="0" cy="0"/>
+        </a:xfrm>
+      </p:grpSpPr>
+      <p:sp>
+        <p:nvSpPr>
+          <p:cNvPr id="2" name="Title 1"/>
+          <p:cNvSpPr>
+            <a:spLocks noGrp="1"/>
+          </p:cNvSpPr>
+          <p:nvPr>
+            <p:ph type="title"/>
+          </p:nvPr>
+        </p:nvSpPr>
+        <p:spPr/>
+        <p:txBody>
+          <a:bodyPr/>
+          <a:lstStyle/>
+          <a:p>
+            <a:r>
+              <a:rPr lang="en-US" dirty="0" smtClean="0"/>
+              <a:t>Scylla </a:t>
+            </a:r>
+            <a:r>
+              <a:rPr lang="en-US" dirty="0" err="1" smtClean="0"/>
+              <a:t>vs</a:t>
+            </a:r>
+            <a:r>
+              <a:rPr lang="en-US" dirty="0" smtClean="0"/>
+              <a:t> Cassandra</a:t>
+            </a:r>
+            <a:endParaRPr lang="en-US" dirty="0"/>
+          </a:p>
+        </p:txBody>
+      </p:sp>
+      <p:pic>
+        <p:nvPicPr>
+          <p:cNvPr id="4" name="Picture 3"/>
+          <p:cNvPicPr>
+            <a:picLocks noChangeAspect="1"/>
+          </p:cNvPicPr>
+          <p:nvPr/>
+        </p:nvPicPr>
+        <p:blipFill>
+          <a:blip r:embed="rId2"/>
+          <a:stretch>
+            <a:fillRect/>
+          </a:stretch>
+        </p:blipFill>
+        <p:spPr>
+          <a:xfrm>
+            <a:off x="762000" y="1773956"/>
+            <a:ext cx="7607300" cy="4457700"/>
+          </a:xfrm>
+          <a:prstGeom prst="rect">
+            <a:avLst/>
+          </a:prstGeom>
+        </p:spPr>
+      </p:pic>
+    </p:spTree>
+    <p:extLst>
+      <p:ext uri="{BB962C8B-B14F-4D97-AF65-F5344CB8AC3E}">
+        <p14:creationId xmlns:p14="http://schemas.microsoft.com/office/powerpoint/2010/main" val="3493411215"/>
+      </p:ext>
+    </p:extLst>
+  </p:cSld>
+  <p:clrMapOvr>
+    <a:masterClrMapping/>
+  </p:clrMapOvr>
+</p:sld>
+</file>
+
+<file path=ppt/slides/slide24.xml><?xml version="1.0" encoding="utf-8"?>
 <p:sld xmlns:a="http://schemas.openxmlformats.org/drawingml/2006/main" xmlns:r="http://schemas.openxmlformats.org/officeDocument/2006/relationships" xmlns:p="http://schemas.openxmlformats.org/presentationml/2006/main">
   <p:cSld>
     <p:spTree>
@@ -12820,6 +13039,13 @@
   <p:clrMapOvr>
     <a:masterClrMapping/>
   </p:clrMapOvr>
+  <p:timing>
+    <p:tnLst>
+      <p:par>
+        <p:cTn xmlns:p14="http://schemas.microsoft.com/office/powerpoint/2010/main" id="1" dur="indefinite" restart="never" nodeType="tmRoot"/>
+      </p:par>
+    </p:tnLst>
+  </p:timing>
 </p:sld>
 </file>
 
@@ -12935,6 +13161,13 @@
   <p:clrMapOvr>
     <a:masterClrMapping/>
   </p:clrMapOvr>
+  <p:timing>
+    <p:tnLst>
+      <p:par>
+        <p:cTn xmlns:p14="http://schemas.microsoft.com/office/powerpoint/2010/main" id="1" dur="indefinite" restart="never" nodeType="tmRoot"/>
+      </p:par>
+    </p:tnLst>
+  </p:timing>
 </p:sld>
 </file>
 
@@ -13051,6 +13284,13 @@
   <p:clrMapOvr>
     <a:masterClrMapping/>
   </p:clrMapOvr>
+  <p:timing>
+    <p:tnLst>
+      <p:par>
+        <p:cTn xmlns:p14="http://schemas.microsoft.com/office/powerpoint/2010/main" id="1" dur="indefinite" restart="never" nodeType="tmRoot"/>
+      </p:par>
+    </p:tnLst>
+  </p:timing>
 </p:sld>
 </file>
 
@@ -13158,6 +13398,13 @@
   <p:clrMapOvr>
     <a:masterClrMapping/>
   </p:clrMapOvr>
+  <p:timing>
+    <p:tnLst>
+      <p:par>
+        <p:cTn xmlns:p14="http://schemas.microsoft.com/office/powerpoint/2010/main" id="1" dur="indefinite" restart="never" nodeType="tmRoot"/>
+      </p:par>
+    </p:tnLst>
+  </p:timing>
 </p:sld>
 </file>
 
@@ -13296,6 +13543,13 @@
   <p:clrMapOvr>
     <a:masterClrMapping/>
   </p:clrMapOvr>
+  <p:timing>
+    <p:tnLst>
+      <p:par>
+        <p:cTn xmlns:p14="http://schemas.microsoft.com/office/powerpoint/2010/main" id="1" dur="indefinite" restart="never" nodeType="tmRoot"/>
+      </p:par>
+    </p:tnLst>
+  </p:timing>
 </p:sld>
 </file>
 
@@ -13428,6 +13682,13 @@
   <p:clrMapOvr>
     <a:masterClrMapping/>
   </p:clrMapOvr>
+  <p:timing>
+    <p:tnLst>
+      <p:par>
+        <p:cTn xmlns:p14="http://schemas.microsoft.com/office/powerpoint/2010/main" id="1" dur="indefinite" restart="never" nodeType="tmRoot"/>
+      </p:par>
+    </p:tnLst>
+  </p:timing>
 </p:sld>
 </file>
 
@@ -13657,6 +13918,13 @@
   <p:clrMapOvr>
     <a:masterClrMapping/>
   </p:clrMapOvr>
+  <p:timing>
+    <p:tnLst>
+      <p:par>
+        <p:cTn xmlns:p14="http://schemas.microsoft.com/office/powerpoint/2010/main" id="1" dur="indefinite" restart="never" nodeType="tmRoot"/>
+      </p:par>
+    </p:tnLst>
+  </p:timing>
 </p:sld>
 </file>
 

--- a/pres-source/10-Cassandra.pptx
+++ b/pres-source/10-Cassandra.pptx
@@ -2056,8 +2056,8 @@
     <dgm:cxn modelId="{3993E0AE-D03C-8143-A94A-AC4B577645FD}" srcId="{233D6E84-E1A1-2549-A0F2-C7B0562D4DC2}" destId="{4391B368-D339-3341-B7F4-F1EACBD8112C}" srcOrd="1" destOrd="0" parTransId="{525C8D7D-2181-9641-8E7B-48A66FD46CCF}" sibTransId="{017FCF6A-D315-C845-A14B-3785C8312B03}"/>
     <dgm:cxn modelId="{A7C1F6E2-D175-4040-82D0-CAA14DEF59DB}" type="presOf" srcId="{017FCF6A-D315-C845-A14B-3785C8312B03}" destId="{F85FA051-B376-0A44-916D-F63D0BAB707A}" srcOrd="0" destOrd="0" presId="urn:microsoft.com/office/officeart/2005/8/layout/cycle2"/>
     <dgm:cxn modelId="{FCCD9DFE-7194-D443-9A6F-6397F7387644}" type="presOf" srcId="{017FCF6A-D315-C845-A14B-3785C8312B03}" destId="{4FC8FB48-D300-D34A-A172-468FC10B59F3}" srcOrd="1" destOrd="0" presId="urn:microsoft.com/office/officeart/2005/8/layout/cycle2"/>
+    <dgm:cxn modelId="{AD4E4930-5AFD-1348-A385-BABB9FAF1A64}" srcId="{233D6E84-E1A1-2549-A0F2-C7B0562D4DC2}" destId="{1301BCBD-F7E9-D842-B366-AE8DF9D44307}" srcOrd="3" destOrd="0" parTransId="{9C3B4153-4EBC-014E-A94E-EC5416EA5F53}" sibTransId="{8645893A-1D18-A745-8C61-02B1BC8C6D73}"/>
     <dgm:cxn modelId="{0897C944-E724-714A-8056-CB71E482F351}" type="presOf" srcId="{F2B3E4B8-49CC-0543-96DA-0428CE967C4D}" destId="{661C81D8-F9BA-3E4A-A620-3FF8A37A3261}" srcOrd="0" destOrd="0" presId="urn:microsoft.com/office/officeart/2005/8/layout/cycle2"/>
-    <dgm:cxn modelId="{AD4E4930-5AFD-1348-A385-BABB9FAF1A64}" srcId="{233D6E84-E1A1-2549-A0F2-C7B0562D4DC2}" destId="{1301BCBD-F7E9-D842-B366-AE8DF9D44307}" srcOrd="3" destOrd="0" parTransId="{9C3B4153-4EBC-014E-A94E-EC5416EA5F53}" sibTransId="{8645893A-1D18-A745-8C61-02B1BC8C6D73}"/>
     <dgm:cxn modelId="{FACDF9A7-E07A-1545-8E49-A3435BAB878E}" type="presOf" srcId="{233D6E84-E1A1-2549-A0F2-C7B0562D4DC2}" destId="{F2E8152F-879E-2E4A-9EAB-447FC69EDA7C}" srcOrd="0" destOrd="0" presId="urn:microsoft.com/office/officeart/2005/8/layout/cycle2"/>
     <dgm:cxn modelId="{1BDC8217-467C-0640-BBE2-9613D2F895A7}" type="presOf" srcId="{F2B3E4B8-49CC-0543-96DA-0428CE967C4D}" destId="{8A12A7FE-929E-2F4B-B931-5CBC014E4963}" srcOrd="1" destOrd="0" presId="urn:microsoft.com/office/officeart/2005/8/layout/cycle2"/>
     <dgm:cxn modelId="{FBA589CE-3284-EB4E-A48C-8E0047464A21}" type="presParOf" srcId="{F2E8152F-879E-2E4A-9EAB-447FC69EDA7C}" destId="{8E4677FD-5724-4B4B-92D6-6A60064A4119}" srcOrd="0" destOrd="0" presId="urn:microsoft.com/office/officeart/2005/8/layout/cycle2"/>
@@ -6546,7 +6546,7 @@
             <a:fld id="{7307762F-A706-E543-A832-3C298AA3103F}" type="datetimeFigureOut">
               <a:rPr lang="en-US" smtClean="0"/>
               <a:pPr/>
-              <a:t>14/09/17</a:t>
+              <a:t>18/07/18</a:t>
             </a:fld>
             <a:endParaRPr lang="en-US" dirty="0"/>
           </a:p>
@@ -7113,7 +7113,7 @@
           <a:p>
             <a:fld id="{875CF0EB-321F-0749-B37A-89BBA859503C}" type="datetimeFigureOut">
               <a:rPr lang="en-US" smtClean="0"/>
-              <a:t>14/09/17</a:t>
+              <a:t>18/07/18</a:t>
             </a:fld>
             <a:endParaRPr lang="en-US"/>
           </a:p>
@@ -7317,7 +7317,7 @@
           <a:p>
             <a:fld id="{875CF0EB-321F-0749-B37A-89BBA859503C}" type="datetimeFigureOut">
               <a:rPr lang="en-US" smtClean="0"/>
-              <a:t>14/09/17</a:t>
+              <a:t>18/07/18</a:t>
             </a:fld>
             <a:endParaRPr lang="en-US"/>
           </a:p>
@@ -7511,7 +7511,7 @@
           <a:p>
             <a:fld id="{875CF0EB-321F-0749-B37A-89BBA859503C}" type="datetimeFigureOut">
               <a:rPr lang="en-US" smtClean="0"/>
-              <a:t>14/09/17</a:t>
+              <a:t>18/07/18</a:t>
             </a:fld>
             <a:endParaRPr lang="en-US"/>
           </a:p>
@@ -7781,7 +7781,7 @@
           <a:p>
             <a:fld id="{875CF0EB-321F-0749-B37A-89BBA859503C}" type="datetimeFigureOut">
               <a:rPr lang="en-US" smtClean="0"/>
-              <a:t>14/09/17</a:t>
+              <a:t>18/07/18</a:t>
             </a:fld>
             <a:endParaRPr lang="en-US"/>
           </a:p>
@@ -8093,7 +8093,7 @@
           <a:p>
             <a:fld id="{875CF0EB-321F-0749-B37A-89BBA859503C}" type="datetimeFigureOut">
               <a:rPr lang="en-US" smtClean="0"/>
-              <a:t>14/09/17</a:t>
+              <a:t>18/07/18</a:t>
             </a:fld>
             <a:endParaRPr lang="en-US"/>
           </a:p>
@@ -8539,7 +8539,7 @@
           <a:p>
             <a:fld id="{875CF0EB-321F-0749-B37A-89BBA859503C}" type="datetimeFigureOut">
               <a:rPr lang="en-US" smtClean="0"/>
-              <a:t>14/09/17</a:t>
+              <a:t>18/07/18</a:t>
             </a:fld>
             <a:endParaRPr lang="en-US"/>
           </a:p>
@@ -8681,7 +8681,7 @@
           <a:p>
             <a:fld id="{875CF0EB-321F-0749-B37A-89BBA859503C}" type="datetimeFigureOut">
               <a:rPr lang="en-US" smtClean="0"/>
-              <a:t>14/09/17</a:t>
+              <a:t>18/07/18</a:t>
             </a:fld>
             <a:endParaRPr lang="en-US"/>
           </a:p>
@@ -8800,7 +8800,7 @@
           <a:p>
             <a:fld id="{875CF0EB-321F-0749-B37A-89BBA859503C}" type="datetimeFigureOut">
               <a:rPr lang="en-US" smtClean="0"/>
-              <a:t>14/09/17</a:t>
+              <a:t>18/07/18</a:t>
             </a:fld>
             <a:endParaRPr lang="en-US"/>
           </a:p>
@@ -9101,7 +9101,7 @@
           <a:p>
             <a:fld id="{875CF0EB-321F-0749-B37A-89BBA859503C}" type="datetimeFigureOut">
               <a:rPr lang="en-US" smtClean="0"/>
-              <a:t>14/09/17</a:t>
+              <a:t>18/07/18</a:t>
             </a:fld>
             <a:endParaRPr lang="en-US"/>
           </a:p>
@@ -9378,7 +9378,7 @@
           <a:p>
             <a:fld id="{875CF0EB-321F-0749-B37A-89BBA859503C}" type="datetimeFigureOut">
               <a:rPr lang="en-US" smtClean="0"/>
-              <a:t>14/09/17</a:t>
+              <a:t>18/07/18</a:t>
             </a:fld>
             <a:endParaRPr lang="en-US"/>
           </a:p>
@@ -10298,7 +10298,7 @@
                 <a:ea typeface="ヒラギノ角ゴ ProN W3" charset="0"/>
                 <a:cs typeface="ヒラギノ角ゴ ProN W3" charset="0"/>
               </a:rPr>
-              <a:t>Sept 2017</a:t>
+              <a:t>July 2018</a:t>
             </a:r>
             <a:endParaRPr lang="en-US" dirty="0">
               <a:ea typeface="ヒラギノ角ゴ ProN W3" charset="0"/>
